--- a/orga/Sprint_2_Presentation.pptx
+++ b/orga/Sprint_2_Presentation.pptx
@@ -296,7 +296,7 @@
               <a:pPr>
                 <a:defRPr/>
               </a:pPr>
-              <a:t>16.05.2017</a:t>
+              <a:t>17.05.2017</a:t>
             </a:fld>
             <a:endParaRPr lang="de-DE" sz="1000" dirty="0">
               <a:latin typeface="Arial" pitchFamily="34" charset="0"/>
@@ -525,7 +525,7 @@
               <a:pPr>
                 <a:defRPr/>
               </a:pPr>
-              <a:t>16.05.2017</a:t>
+              <a:t>17.05.2017</a:t>
             </a:fld>
             <a:endParaRPr lang="de-DE" dirty="0"/>
           </a:p>
@@ -4119,20 +4119,203 @@
           <a:p>
             <a:pPr lvl="1"/>
             <a:r>
-              <a:rPr lang="en-US" dirty="0"/>
+              <a:rPr lang="en-US" b="1" dirty="0"/>
               <a:t>Sprint 1:</a:t>
             </a:r>
           </a:p>
           <a:p>
             <a:pPr lvl="2"/>
+            <a:r>
+              <a:rPr lang="en-US" dirty="0" err="1"/>
+              <a:t>Erste</a:t>
+            </a:r>
+            <a:r>
+              <a:rPr lang="en-US" dirty="0"/>
+              <a:t>, </a:t>
+            </a:r>
+            <a:r>
+              <a:rPr lang="en-US" dirty="0" err="1"/>
+              <a:t>einfache</a:t>
+            </a:r>
+            <a:r>
+              <a:rPr lang="en-US" dirty="0"/>
+              <a:t> Entities (Model) </a:t>
+            </a:r>
+            <a:r>
+              <a:rPr lang="en-US" dirty="0" err="1"/>
+              <a:t>für</a:t>
+            </a:r>
+            <a:r>
+              <a:rPr lang="en-US" dirty="0"/>
+              <a:t> den Model </a:t>
+            </a:r>
+            <a:r>
+              <a:rPr lang="en-US" dirty="0" err="1"/>
+              <a:t>Teil</a:t>
+            </a:r>
+            <a:r>
+              <a:rPr lang="en-US" dirty="0"/>
+              <a:t> des MVC</a:t>
+            </a:r>
+          </a:p>
+          <a:p>
+            <a:pPr lvl="2"/>
+            <a:r>
+              <a:rPr lang="en-US" dirty="0" err="1"/>
+              <a:t>Erste</a:t>
+            </a:r>
+            <a:r>
+              <a:rPr lang="en-US" dirty="0"/>
+              <a:t> </a:t>
+            </a:r>
+            <a:r>
+              <a:rPr lang="en-US" dirty="0" err="1"/>
+              <a:t>Datenbank</a:t>
+            </a:r>
+            <a:r>
+              <a:rPr lang="en-US" dirty="0"/>
+              <a:t> REST </a:t>
+            </a:r>
+            <a:r>
+              <a:rPr lang="en-US" dirty="0" err="1"/>
+              <a:t>Schnittstellen</a:t>
+            </a:r>
             <a:endParaRPr lang="en-US" dirty="0"/>
           </a:p>
           <a:p>
             <a:pPr lvl="1"/>
             <a:r>
-              <a:rPr lang="en-US" dirty="0"/>
+              <a:rPr lang="en-US" b="1" dirty="0"/>
               <a:t>Sprint 2:</a:t>
             </a:r>
+          </a:p>
+          <a:p>
+            <a:pPr lvl="2"/>
+            <a:r>
+              <a:rPr lang="en-US" dirty="0" err="1"/>
+              <a:t>Erste</a:t>
+            </a:r>
+            <a:r>
+              <a:rPr lang="en-US" dirty="0"/>
+              <a:t> </a:t>
+            </a:r>
+            <a:r>
+              <a:rPr lang="en-US" dirty="0" err="1"/>
+              <a:t>Struktur</a:t>
+            </a:r>
+            <a:r>
+              <a:rPr lang="en-US" dirty="0"/>
+              <a:t> </a:t>
+            </a:r>
+            <a:r>
+              <a:rPr lang="en-US" dirty="0" err="1"/>
+              <a:t>für</a:t>
+            </a:r>
+            <a:r>
+              <a:rPr lang="en-US" dirty="0"/>
+              <a:t> die </a:t>
+            </a:r>
+            <a:r>
+              <a:rPr lang="en-US" dirty="0" err="1"/>
+              <a:t>Datenbank</a:t>
+            </a:r>
+            <a:r>
+              <a:rPr lang="en-US" dirty="0"/>
+              <a:t> </a:t>
+            </a:r>
+            <a:r>
+              <a:rPr lang="en-US" dirty="0" err="1"/>
+              <a:t>bis</a:t>
+            </a:r>
+            <a:r>
+              <a:rPr lang="en-US" dirty="0"/>
+              <a:t> </a:t>
+            </a:r>
+            <a:r>
+              <a:rPr lang="en-US" dirty="0" err="1"/>
+              <a:t>zum</a:t>
+            </a:r>
+            <a:r>
+              <a:rPr lang="en-US" dirty="0"/>
+              <a:t> Ende </a:t>
+            </a:r>
+            <a:r>
+              <a:rPr lang="en-US" dirty="0" err="1"/>
+              <a:t>machen</a:t>
+            </a:r>
+            <a:endParaRPr lang="en-US" dirty="0"/>
+          </a:p>
+          <a:p>
+            <a:pPr lvl="2"/>
+            <a:r>
+              <a:rPr lang="en-US" dirty="0"/>
+              <a:t>SQL </a:t>
+            </a:r>
+            <a:r>
+              <a:rPr lang="en-US" dirty="0" err="1"/>
+              <a:t>Strutktur</a:t>
+            </a:r>
+            <a:r>
+              <a:rPr lang="en-US" dirty="0"/>
+              <a:t> (</a:t>
+            </a:r>
+            <a:r>
+              <a:rPr lang="en-US" dirty="0" err="1"/>
+              <a:t>Relationen</a:t>
+            </a:r>
+            <a:r>
+              <a:rPr lang="en-US" dirty="0"/>
+              <a:t>) </a:t>
+            </a:r>
+            <a:r>
+              <a:rPr lang="en-US" dirty="0" err="1"/>
+              <a:t>festlegen</a:t>
+            </a:r>
+            <a:endParaRPr lang="en-US" dirty="0"/>
+          </a:p>
+          <a:p>
+            <a:pPr lvl="2"/>
+            <a:r>
+              <a:rPr lang="en-US" dirty="0"/>
+              <a:t>REST </a:t>
+            </a:r>
+            <a:r>
+              <a:rPr lang="en-US" dirty="0" err="1"/>
+              <a:t>Schnittstellen</a:t>
+            </a:r>
+            <a:r>
+              <a:rPr lang="en-US" dirty="0"/>
+              <a:t> </a:t>
+            </a:r>
+            <a:r>
+              <a:rPr lang="en-US" dirty="0" err="1"/>
+              <a:t>bis</a:t>
+            </a:r>
+            <a:r>
+              <a:rPr lang="en-US" dirty="0"/>
+              <a:t> </a:t>
+            </a:r>
+            <a:r>
+              <a:rPr lang="en-US" dirty="0" err="1"/>
+              <a:t>zum</a:t>
+            </a:r>
+            <a:r>
+              <a:rPr lang="en-US" dirty="0"/>
+              <a:t> Ende </a:t>
+            </a:r>
+            <a:r>
+              <a:rPr lang="en-US" dirty="0" err="1"/>
+              <a:t>machen</a:t>
+            </a:r>
+            <a:endParaRPr lang="en-US" dirty="0"/>
+          </a:p>
+          <a:p>
+            <a:pPr lvl="2"/>
+            <a:r>
+              <a:rPr lang="en-US" dirty="0" err="1"/>
+              <a:t>Dokumentation</a:t>
+            </a:r>
+            <a:endParaRPr lang="en-US" dirty="0"/>
           </a:p>
         </p:txBody>
       </p:sp>
@@ -4597,6 +4780,173 @@
           <a:lstStyle/>
           <a:p>
             <a:pPr lvl="1"/>
+            <a:r>
+              <a:rPr lang="en-US" b="1" dirty="0"/>
+              <a:t>Sprint 1:</a:t>
+            </a:r>
+          </a:p>
+          <a:p>
+            <a:pPr lvl="2"/>
+            <a:r>
+              <a:rPr lang="en-US" dirty="0" err="1"/>
+              <a:t>Erste</a:t>
+            </a:r>
+            <a:r>
+              <a:rPr lang="en-US" dirty="0"/>
+              <a:t> </a:t>
+            </a:r>
+            <a:r>
+              <a:rPr lang="en-US" dirty="0" err="1"/>
+              <a:t>Struktur</a:t>
+            </a:r>
+            <a:r>
+              <a:rPr lang="en-US" dirty="0"/>
+              <a:t> </a:t>
+            </a:r>
+            <a:r>
+              <a:rPr lang="en-US" dirty="0" err="1"/>
+              <a:t>für</a:t>
+            </a:r>
+            <a:r>
+              <a:rPr lang="en-US" dirty="0"/>
+              <a:t> das Angular App, </a:t>
+            </a:r>
+            <a:r>
+              <a:rPr lang="en-US" dirty="0" err="1"/>
+              <a:t>d.h</a:t>
+            </a:r>
+            <a:r>
+              <a:rPr lang="en-US" dirty="0"/>
+              <a:t>.</a:t>
+            </a:r>
+          </a:p>
+          <a:p>
+            <a:pPr lvl="3"/>
+            <a:r>
+              <a:rPr lang="en-US" dirty="0" err="1"/>
+              <a:t>Welche</a:t>
+            </a:r>
+            <a:r>
+              <a:rPr lang="en-US" dirty="0"/>
+              <a:t> Seiten (Module) </a:t>
+            </a:r>
+            <a:r>
+              <a:rPr lang="en-US" dirty="0" err="1"/>
+              <a:t>dem</a:t>
+            </a:r>
+            <a:r>
+              <a:rPr lang="en-US" dirty="0"/>
+              <a:t> </a:t>
+            </a:r>
+            <a:r>
+              <a:rPr lang="en-US" dirty="0" err="1"/>
+              <a:t>Benutzer</a:t>
+            </a:r>
+            <a:r>
+              <a:rPr lang="en-US" dirty="0"/>
+              <a:t> </a:t>
+            </a:r>
+            <a:r>
+              <a:rPr lang="en-US" dirty="0" err="1"/>
+              <a:t>zur</a:t>
+            </a:r>
+            <a:r>
+              <a:rPr lang="en-US" dirty="0"/>
+              <a:t> </a:t>
+            </a:r>
+            <a:r>
+              <a:rPr lang="en-US" dirty="0" err="1"/>
+              <a:t>Verfügung</a:t>
+            </a:r>
+            <a:r>
+              <a:rPr lang="en-US" dirty="0"/>
+              <a:t> </a:t>
+            </a:r>
+            <a:r>
+              <a:rPr lang="en-US" dirty="0" err="1"/>
+              <a:t>stehen</a:t>
+            </a:r>
+            <a:endParaRPr lang="en-US" dirty="0"/>
+          </a:p>
+          <a:p>
+            <a:pPr lvl="3"/>
+            <a:r>
+              <a:rPr lang="en-US" dirty="0"/>
+              <a:t>Was </a:t>
+            </a:r>
+            <a:r>
+              <a:rPr lang="en-US" dirty="0" err="1"/>
+              <a:t>wird</a:t>
+            </a:r>
+            <a:r>
+              <a:rPr lang="en-US" dirty="0"/>
+              <a:t> auf </a:t>
+            </a:r>
+            <a:r>
+              <a:rPr lang="en-US" dirty="0" err="1"/>
+              <a:t>diesen</a:t>
+            </a:r>
+            <a:r>
+              <a:rPr lang="en-US" dirty="0"/>
+              <a:t> Seiten </a:t>
+            </a:r>
+            <a:r>
+              <a:rPr lang="en-US" dirty="0" err="1"/>
+              <a:t>stehen</a:t>
+            </a:r>
+            <a:endParaRPr lang="en-US" dirty="0"/>
+          </a:p>
+          <a:p>
+            <a:pPr lvl="2"/>
+            <a:endParaRPr lang="en-US" dirty="0"/>
+          </a:p>
+          <a:p>
+            <a:pPr lvl="1"/>
+            <a:r>
+              <a:rPr lang="en-US" b="1" dirty="0"/>
+              <a:t>Sprint 2:</a:t>
+            </a:r>
+          </a:p>
+          <a:p>
+            <a:pPr lvl="2"/>
+            <a:r>
+              <a:rPr lang="en-US" dirty="0"/>
+              <a:t>REST Client </a:t>
+            </a:r>
+            <a:r>
+              <a:rPr lang="en-US" dirty="0" err="1"/>
+              <a:t>für</a:t>
+            </a:r>
+            <a:r>
+              <a:rPr lang="en-US" dirty="0"/>
+              <a:t> das Angular App</a:t>
+            </a:r>
+          </a:p>
+          <a:p>
+            <a:pPr lvl="2"/>
+            <a:r>
+              <a:rPr lang="en-US" dirty="0"/>
+              <a:t>CSS </a:t>
+            </a:r>
+            <a:r>
+              <a:rPr lang="en-US" dirty="0" err="1"/>
+              <a:t>mit</a:t>
+            </a:r>
+            <a:r>
+              <a:rPr lang="en-US" dirty="0"/>
+              <a:t> Responsive Design (Bootstrap)</a:t>
+            </a:r>
+          </a:p>
+          <a:p>
+            <a:pPr lvl="2"/>
+            <a:r>
+              <a:rPr lang="en-US" dirty="0" err="1"/>
+              <a:t>Dokumentation</a:t>
+            </a:r>
+            <a:endParaRPr lang="en-US" dirty="0"/>
+          </a:p>
+          <a:p>
+            <a:pPr lvl="2"/>
             <a:endParaRPr lang="en-US" dirty="0"/>
           </a:p>
         </p:txBody>
@@ -4770,8 +5120,12 @@
           <a:p>
             <a:pPr lvl="1"/>
             <a:r>
-              <a:rPr lang="en-US" dirty="0"/>
-              <a:t>Sprint 1:</a:t>
+              <a:rPr lang="en-US" b="1" dirty="0"/>
+              <a:t>Sprint 1</a:t>
+            </a:r>
+            <a:r>
+              <a:rPr lang="en-US" dirty="0"/>
+              <a:t>:</a:t>
             </a:r>
           </a:p>
           <a:p>
@@ -4835,7 +5189,7 @@
           <a:p>
             <a:pPr lvl="1"/>
             <a:r>
-              <a:rPr lang="en-US" dirty="0"/>
+              <a:rPr lang="en-US" b="1" dirty="0"/>
               <a:t>Sprint 2:</a:t>
             </a:r>
           </a:p>
@@ -5070,7 +5424,7 @@
           <a:p>
             <a:pPr lvl="1"/>
             <a:r>
-              <a:rPr lang="en-US" dirty="0"/>
+              <a:rPr lang="en-US" b="1" dirty="0"/>
               <a:t>Sprint 1:</a:t>
             </a:r>
           </a:p>
@@ -5155,7 +5509,7 @@
           <a:p>
             <a:pPr lvl="1"/>
             <a:r>
-              <a:rPr lang="en-US" dirty="0"/>
+              <a:rPr lang="en-US" b="1" dirty="0"/>
               <a:t>Sprint 2:</a:t>
             </a:r>
           </a:p>

--- a/orga/Sprint_2_Presentation.pptx
+++ b/orga/Sprint_2_Presentation.pptx
@@ -296,7 +296,7 @@
               <a:pPr>
                 <a:defRPr/>
               </a:pPr>
-              <a:t>17.05.2017</a:t>
+              <a:t>18.05.2017</a:t>
             </a:fld>
             <a:endParaRPr lang="de-DE" sz="1000" dirty="0">
               <a:latin typeface="Arial" pitchFamily="34" charset="0"/>
@@ -525,7 +525,7 @@
               <a:pPr>
                 <a:defRPr/>
               </a:pPr>
-              <a:t>17.05.2017</a:t>
+              <a:t>18.05.2017</a:t>
             </a:fld>
             <a:endParaRPr lang="de-DE" dirty="0"/>
           </a:p>
@@ -5491,7 +5491,7 @@
             <a:pPr lvl="2"/>
             <a:r>
               <a:rPr lang="en-US" dirty="0"/>
-              <a:t>REST Importer Microservice </a:t>
+              <a:t>REST Importer (und Exporter) Microservice </a:t>
             </a:r>
           </a:p>
           <a:p>
@@ -5516,23 +5516,19 @@
           <a:p>
             <a:pPr lvl="2"/>
             <a:r>
-              <a:rPr lang="en-US" dirty="0"/>
-              <a:t>REST Exporter Microservice</a:t>
+              <a:rPr lang="en-US" dirty="0" err="1"/>
+              <a:t>Erweiterung</a:t>
+            </a:r>
+            <a:r>
+              <a:rPr lang="en-US" dirty="0"/>
+              <a:t> der Importer/Exporter Microservices</a:t>
             </a:r>
           </a:p>
           <a:p>
             <a:pPr lvl="2"/>
             <a:r>
               <a:rPr lang="en-US" dirty="0"/>
-              <a:t>Error Handling </a:t>
-            </a:r>
-            <a:r>
-              <a:rPr lang="en-US" dirty="0" err="1"/>
-              <a:t>für</a:t>
-            </a:r>
-            <a:r>
-              <a:rPr lang="en-US" dirty="0"/>
-              <a:t> Exporter und Importer</a:t>
+              <a:t>Error Handling</a:t>
             </a:r>
           </a:p>
           <a:p>

--- a/orga/Sprint_2_Presentation.pptx
+++ b/orga/Sprint_2_Presentation.pptx
@@ -3930,7 +3930,7 @@
             </a:r>
             <a:r>
               <a:rPr lang="en-US" dirty="0"/>
-              <a:t> Sprint 1 und</a:t>
+              <a:t> Sprint 2 und</a:t>
             </a:r>
             <a:br>
               <a:rPr lang="en-US" dirty="0"/>
@@ -3941,7 +3941,7 @@
             </a:r>
             <a:r>
               <a:rPr lang="en-US" dirty="0"/>
-              <a:t> von Sprint 2, 18.05.2017</a:t>
+              <a:t> von Sprint 3, 18.05.2017</a:t>
             </a:r>
           </a:p>
         </p:txBody>
@@ -4120,7 +4120,7 @@
             <a:pPr lvl="1"/>
             <a:r>
               <a:rPr lang="en-US" b="1" dirty="0"/>
-              <a:t>Sprint 1:</a:t>
+              <a:t>Sprint 2:</a:t>
             </a:r>
           </a:p>
           <a:p>
@@ -4185,9 +4185,10 @@
           <a:p>
             <a:pPr lvl="1"/>
             <a:r>
-              <a:rPr lang="en-US" b="1" dirty="0"/>
-              <a:t>Sprint 2:</a:t>
-            </a:r>
+              <a:rPr lang="en-US" b="1"/>
+              <a:t>Sprint 3:</a:t>
+            </a:r>
+            <a:endParaRPr lang="en-US" b="1" dirty="0"/>
           </a:p>
           <a:p>
             <a:pPr lvl="2"/>
@@ -4782,7 +4783,7 @@
             <a:pPr lvl="1"/>
             <a:r>
               <a:rPr lang="en-US" b="1" dirty="0"/>
-              <a:t>Sprint 1:</a:t>
+              <a:t>Sprint 2:</a:t>
             </a:r>
           </a:p>
           <a:p>
@@ -4904,7 +4905,7 @@
             <a:pPr lvl="1"/>
             <a:r>
               <a:rPr lang="en-US" b="1" dirty="0"/>
-              <a:t>Sprint 2:</a:t>
+              <a:t>Sprint 3:</a:t>
             </a:r>
           </a:p>
           <a:p>
@@ -5121,7 +5122,7 @@
             <a:pPr lvl="1"/>
             <a:r>
               <a:rPr lang="en-US" b="1" dirty="0"/>
-              <a:t>Sprint 1</a:t>
+              <a:t>Sprint 2</a:t>
             </a:r>
             <a:r>
               <a:rPr lang="en-US" dirty="0"/>
@@ -5190,7 +5191,7 @@
             <a:pPr lvl="1"/>
             <a:r>
               <a:rPr lang="en-US" b="1" dirty="0"/>
-              <a:t>Sprint 2:</a:t>
+              <a:t>Sprint 3:</a:t>
             </a:r>
           </a:p>
           <a:p>
@@ -5425,7 +5426,7 @@
             <a:pPr lvl="1"/>
             <a:r>
               <a:rPr lang="en-US" b="1" dirty="0"/>
-              <a:t>Sprint 1:</a:t>
+              <a:t>Sprint 2:</a:t>
             </a:r>
           </a:p>
           <a:p>
@@ -5510,7 +5511,7 @@
             <a:pPr lvl="1"/>
             <a:r>
               <a:rPr lang="en-US" b="1" dirty="0"/>
-              <a:t>Sprint 2:</a:t>
+              <a:t>Sprint 3:</a:t>
             </a:r>
           </a:p>
           <a:p>

--- a/orga/Sprint_2_Presentation.pptx
+++ b/orga/Sprint_2_Presentation.pptx
@@ -3917,7 +3917,7 @@
         <p:spPr>
           <a:xfrm>
             <a:off x="384000" y="2487600"/>
-            <a:ext cx="11424000" cy="886397"/>
+            <a:ext cx="11424000" cy="443198"/>
           </a:xfrm>
         </p:spPr>
         <p:txBody>
@@ -3925,23 +3925,8 @@
           <a:lstStyle/>
           <a:p>
             <a:r>
-              <a:rPr lang="en-US" dirty="0" err="1"/>
-              <a:t>Zusammenfassung</a:t>
-            </a:r>
-            <a:r>
-              <a:rPr lang="en-US" dirty="0"/>
-              <a:t> Sprint 2 und</a:t>
-            </a:r>
-            <a:br>
-              <a:rPr lang="en-US" dirty="0"/>
-            </a:br>
-            <a:r>
-              <a:rPr lang="en-US" dirty="0" err="1"/>
-              <a:t>Plannung</a:t>
-            </a:r>
-            <a:r>
-              <a:rPr lang="en-US" dirty="0"/>
-              <a:t> von Sprint 3, 18.05.2017</a:t>
+              <a:rPr lang="en-US" dirty="0"/>
+              <a:t>Sprint 2</a:t>
             </a:r>
           </a:p>
         </p:txBody>
